--- a/Clases/1-PythonBasics/Python Basics.pptx
+++ b/Clases/1-PythonBasics/Python Basics.pptx
@@ -4,6 +4,9 @@
   <p:sldMasterIdLst>
     <p:sldMasterId id="2147483648" r:id="rId4"/>
   </p:sldMasterIdLst>
+  <p:notesMasterIdLst>
+    <p:notesMasterId r:id="rId45"/>
+  </p:notesMasterIdLst>
   <p:sldIdLst>
     <p:sldId id="256" r:id="rId5"/>
     <p:sldId id="257" r:id="rId6"/>
@@ -10253,6 +10256,552 @@
 </dgm:styleDef>
 </file>
 
+<file path=ppt/ink/ink1.xml><?xml version="1.0" encoding="utf-8"?>
+<inkml:ink xmlns:inkml="http://www.w3.org/2003/InkML">
+  <inkml:definitions>
+    <inkml:context xml:id="ctx0">
+      <inkml:inkSource xml:id="inkSrc0">
+        <inkml:traceFormat>
+          <inkml:channel name="X" type="integer" max="3926" units="cm"/>
+          <inkml:channel name="Y" type="integer" max="1440" units="cm"/>
+          <inkml:channel name="T" type="integer" max="2.14748E9" units="dev"/>
+        </inkml:traceFormat>
+        <inkml:channelProperties>
+          <inkml:channelProperty channel="X" name="resolution" value="56.08571" units="1/cm"/>
+          <inkml:channelProperty channel="Y" name="resolution" value="36.92308" units="1/cm"/>
+          <inkml:channelProperty channel="T" name="resolution" value="1" units="1/dev"/>
+        </inkml:channelProperties>
+      </inkml:inkSource>
+      <inkml:timestamp xml:id="ts0" timeString="2024-07-18T23:32:31.002"/>
+    </inkml:context>
+    <inkml:brush xml:id="br0">
+      <inkml:brushProperty name="width" value="0.05292" units="cm"/>
+      <inkml:brushProperty name="height" value="0.05292" units="cm"/>
+      <inkml:brushProperty name="color" value="#FF0000"/>
+    </inkml:brush>
+  </inkml:definitions>
+  <inkml:trace contextRef="#ctx0" brushRef="#br0">17449 3942 0</inkml:trace>
+  <inkml:trace contextRef="#ctx0" brushRef="#br0" timeOffset="1644.15">17939 3625 0,'-13'0'47,"-133"26"-16,-26 67 0,146-80-31,-14 14 16,40-14-1,0 13 1,0-13 0,0 27-1,0-13 1,0 26 0,0-40-1,40 13 1,-27-26-16,0 0 15,27 0 1,39 0 15,0 0 1,-52 0-17,-14 0-15,0 0 16,14 0-1,-14-13 48,-13-13-47,0 12-1,0-12 16,-13-1-15,-27 1 0,14-1 15,12 14 0,-38 0 0,38 13-15,-39-13 15,27 0-15,-1 13 93,-12 26-77,26 0-17,13 27 16,0-26-15,0 26 0,0-40-1,0 0-15,-14 67 32,14 12-17,0-65-15,0 12 16,0 54-1,0-27 1,0 27 15,0-67-15,0 80 0,0-40 15,0-13-16,0-40-15,0 67 32,0-107 46,-13 1-63</inkml:trace>
+  <inkml:trace contextRef="#ctx0" brushRef="#br0" timeOffset="3464.44">18111 3691 0,'13'0'47,"-13"53"-16,0 0-16,0-27 1,0 1-16,0 26 31,13-27-15,14 14-16,-1-14 47,1 1-32,-14-14-15,0 0 16,53-13 0,-53 0-1,40 0 1,-26 0-16,12 0 31,14-26-15,-13-1-1,-40 14 1,13 0 0,-13-14-16,0 14 31,0-13-15,0 12-16,0 1 0,0 0 31,0-27-16,0 27 1,-13-13 0,0 12-1,0-12 1,-1 13 0,28 79 93,25-13-93,-12 92-1,-1-92 1,-13-13-1,-13 13-15,14 26 16,-14 14 0,0-54-16,0 67 47,0 0-16,0-66-16,0 26 1,-14-53-16,14 0 16,-39 40-1,39-40 1,-13 1 0,-1-1 46,-39-13-46,27 0-1,13 0-15,-1 0 32,1 0 30,-13-53-46,-14 13 15,27 27-15,13 0-1</inkml:trace>
+  <inkml:trace contextRef="#ctx0" brushRef="#br0" timeOffset="8132.44">22384 4829 0</inkml:trace>
+  <inkml:trace contextRef="#ctx0" brushRef="#br0" timeOffset="39677.37">16854 3281 0,'0'79'79,"0"252"-48,0-305-31,0 239 31,-13-119-15,13-67-16,0-39 15,-40 184 1,14-52 0,26-13-1,13-66 16,-13-80-15,0 0 0,13 27-16,13-27 0,67 106 15,-66-92 17,12 12-17,-26-25-15,14-1 47,118 40-31,213 26 15,-67 1 0,-238-80-15,383 92-1,-158-39 1,-13-27 0,-186-26-1,0 0 17,1 27-17,12-27 1,-26-27-1,-26-12 1,-40 26 0,66-93-1,27-27 17,-40 14-17,-40-53 1,-13-39-1,0 92 1,0 26-16,0 27 16,-40-40-16,1 0 15,25-39 1,-12 52-16,13 40 16,-1-198-1,14 105 1,0 133-16,0-80 15,0 14 1,0-27 15,0 14 1,-13-1-1,0 53-31,0 14 15,-14-1 17,-12 1-1,-279 13 0,173 13-31,-424 0 31,251 0-15,292 0-16,-27-13 16,-53 13-1,66 0 1,1 0 0,25 0 15,-38 0-16,38 0 1,-12 0 0,-186 0 77,-105 39-61,224-39-32,14 27 0,13-14 0,52-13 47,28 0 156,-1 0-188,13 13 1,-13 0 0</inkml:trace>
+  <inkml:trace contextRef="#ctx0" brushRef="#br0" timeOffset="50869.47">24209 7435 0</inkml:trace>
+  <inkml:trace contextRef="#ctx0" brushRef="#br0" timeOffset="52301.15">24567 6985 0,'-27'-13'63,"1"13"-32,12-27-31,1 27 16,0 0-1,-14 0-15,14 0 16,-26 14-1,25-14-15,1 13 16,0 26 0,13-12 15,0-14-15,0 27-1,0-14 1,0-12-1,40 12-15,-40-13 16,26 0 0,-13 14-1,14-27 17,-27 13-17,13 0 1,0 1-1,40-14 17,40 26-17,118 0 17,-197-26-17,-1 0 48,-13-26-32,-27-14 16</inkml:trace>
+  <inkml:trace contextRef="#ctx0" brushRef="#br0" timeOffset="53043.99">24276 6866 0,'26'0'47,"53"0"-32,-13 0 17,-26 53-17,-27-27 1,40 27 0,-53-26-1,40 39 16,-27-40-31,14 1 32</inkml:trace>
+  <inkml:trace contextRef="#ctx0" brushRef="#br0" timeOffset="53290.45">24249 6535 0,'27'40'109</inkml:trace>
+  <inkml:trace contextRef="#ctx0" brushRef="#br0" timeOffset="54494.69">25016 6879 0,'-39'0'47,"25"0"-47,1 0 0,0 0 16,-13 0 0,26 13-16,0 14 0,0-1 15,0 40 1,0 14-1,26-54 1,-13 14-16,27-14 31,-40-12-31,13-1 16,0-13 0,93 40-1,66-14 1,-106-26 15,-39 0-15,-27-40 15,0-13-15,-27 27-1,1 0 1,-40-41-1,52 67 1,-25-39 15,26 39-31,-14-14 16,14 14 46,0 0-46,-14 0-16,27 14 16,-13-1-16,13 0 0,-13 27 15,-1 13 17,14 53-17,0-27 1,0-13-1,0 40 1,0-40-16,0 27 16,0 79-1,0-40 1,14-79 0,-14-13-1,26 39 16,-26-92 48,0-53-64</inkml:trace>
+  <inkml:trace contextRef="#ctx0" brushRef="#br0" timeOffset="55886.08">25453 6826 0,'13'0'31,"0"27"16,14-14-31,-27 13-1,0-12-15,13 12 0,14 40 16,-27-26 0,13-27-16,13 40 15,1-13 1,-14-40-1,0 13 48,14-13-47,12 0-1,27-26 1,-52-1-1,-1 14 1,0-14 0,-13-12-1,0-14 1,0 26 46,0 107 17,0-41-64,0 14-15,79 185 31,-79-198-15,53 106 0,-13-1-1,-13-65 1,-27-14 15,-40-53 47,0-13-62,-119-93 0,67 40-1,-27-26 1,39 13-1,54 39-15</inkml:trace>
+  <inkml:trace contextRef="#ctx0" brushRef="#br0" timeOffset="56999.63">25929 6945 0,'13'0'31,"40"0"0,13 80 1,-52-41-17,25 41 16,-39-67-15,14 53 0,-28-132 77,14 40-77,-26-41 0,26 41-1,0-14-15,0 27 16,0-27 0,0-13 15,66 40-16,-39 0 1,-14 13 0,93 0-1,-67 13 48,-39 0-48,13 14-15,-13-14 16,14 40 0,-14 40 15,0-27 0,0-53-31,13-13 94</inkml:trace>
+  <inkml:trace contextRef="#ctx0" brushRef="#br0" timeOffset="58398.94">26577 6231 0,'40'-13'47,"0"66"-31,-14-14 0,1 41-1,-1-41-15,-26 1 0,40 26 16,0 40-1,-14-40 1,-13-13 15,0 26-15,1-12 0,-14-54 15,0 27 78,26 92-78,-26-119-31,0 0 16,0 14 15,0-54 63,27-65-63,-14 78-31,0 1 16,40-26 15,-40 39-31,0 0 16,14 0 15,-1 0-31,1 0 16,12 0 15,-25 13-31,-1-13 16,0 13-1,0 13 1,14 14-1,-27-13 17,0-1-17,0 1 1,0-14-16,0 0 16,0 13-1,-40 41 16,-52-67 16,39 0-31,39 0 125,1 0-126,-13 0 1,12 0-1</inkml:trace>
+  <inkml:trace contextRef="#ctx0" brushRef="#br0" timeOffset="76342.56">9049 11919 0,'198'0'31,"-118"0"-15,-41 0-16,120 0 15,-119 0-15,674 0 32,53 0-17,556 172 17,-463-26-17,-397-53 1,-317-80-1,515 53-15,-515-53 0,581 53 16,-118-39-16,-437-14 0,476 27 16,-516-40-1,636 26 1,-173-26 0,-225 0-1,411 13 16,-358 14-15,-277-27 15,-93 13-15,52 0 0,-12-13-1,277 0 1,-317 27-1,199-1-15,-41-26 16,133 0 0,490 0-1,-318 0 1,198 0 15,-502 0-15,-199 0-1,-13-13 32,0-80-31,0-12-16,0 91 0,0-105 16,0 0-1,0-40 1,0 40-16,0-251 31,0 132-15,0 13-1,0-436 17,0 449-17,0-317 1,0 330-1,0-92 1,0-185 0,0 106 15,-26-80-15,26 0 15,0 331-16,0-225 1,0 119 0,0-53-1,-14 252-15,14-67 32,0 53-17,-39-105 16,25 52-15,-12 1 0,13 26-1,0 66 32,-14 0-31,-158 0-1,158 0 1,-489 0 0,40 0-1,225 0-15,-397 0 16,529 0 0,-331 0-16,331 0 0,-331 0 15,53 0 1,-172 0-1,-119-14 17,93 14-1,568 0-31,-369 0 31,277 0-15,-212 0-1,13 0 1,93 0-16,-158 0 16,317 0-16,-331 0 15,13-79 1,-132 53 0,-145-14-1,184 13 1,28-26 15,237 27-15,-238 0-1,119-14-15,-198 0 16,-13-26 15,489 66-31,-251-40 16,26 1-1,132 39 1,-184-40 0,-41 40-1,213 0-15,91 0 16,-224 0 0,14-13-16,-1 13 15,-146 0 16,27-13-31,146 13 16,-93-27 0,-53 27 15,14 0-15,277 0-1,79 0-15,-65 0 16,26 0-1,26 0-15,27 0 16,-53 27 0,-40 25-1,92-52-15,-157 27 16,12-14 0,-317 53-1,251-26 1,132 13 15,-105 39 0,171-65-31,-211 105 32,185-105-17,13 26 16,27 13-15,0 40-16,13-67 0,0 120 16,0-119-1,-27 251 1,27-199 0,0 27 15,0 0-31,0-39 0,0 79 31,0-107-31,0 147 0,-13-27 16,0 66-1,0 225 17,13-384-32,0 160 15,0 78 1,0-132-1,0 53 1,0-105-16,0 105 31,0-132-15,0 92 15,39 159 0,-39-343-31,0 78 16,0 173 0,0-239-1,27 212 1,-14-211 0,27 118-16,39-39 31,-66-79-31,80 52 15,-66-26 1,25 0 0,1-14-1,80 41 1,-133-67 0,92 0-16,120 40 15,-14-40 1,1 27-16,-173-40 15,279 66 17,-67-26-17,-40-14-15,14-12 16,66 12 0,-199-26-16,159 0 15,238 0 16,-449 0-15,26 0 0,0 0-1,0 0 1,198 0 0,-132 0-1,40 13 1,-67-13-1,1 27 1,66-14 0,-27 13-16,-39 1 15,-27-14 1,264 14 0,-263-27-1,25 0 1,-26 0-1,67 0 1,-107 0 0,27 0-16,-13 0 15,-27 0 63</inkml:trace>
+  <inkml:trace contextRef="#ctx0" brushRef="#br0" timeOffset="112370.66">23191 3096 0,'0'0'32,"-27"13"46,-277 93-63,225-80 1,-27 14-16,-79-14 16,-199 80-1,-106-66 1,305-40 0,53 0 15,-66 13-16,78 0 17,-12 0-17,119 1-15,0 12 16,-1-26 0,-12 0-16,-14 13 15,-52 1 16,-27 12-15,39 14 0,14-14 15,26-13-15,-105 40-1,52-26 1,40-14-1,159-92 126,-79 39-125,52-26-1,-26 13 1,0-13 15,-40 53-15,-13-1 15,27 14 63,-27 27-79,13-14-15,13 27 16,-26-1-16,0-12 16,27 13-1,-14 12 1,0-52 31,-13 27-32,13-14 1,1-13 47,-14 13 15,0-52-47,0 25 16,-66 14-16,52 0-15,-12 0 15,13 0 47,-14 0-47,14 0 32,-14 0-32,14 0-31,-26 0 94,39 14 15</inkml:trace>
+  <inkml:trace contextRef="#ctx0" brushRef="#br0" timeOffset="114203.88">24619 2566 0,'0'40'62,"0"106"-30,0-93-32,0 26 15,0 146 17,14-185-32,-1 26 15,13 53 16,-26-106-15,0-145 78,0-27-94,-66-132 31,53 238-15,13 27-1,-13-14-15,92 40 125,-26 26-109,66 80 0,40 26-1,26 1 1,-92-41-1,-80-92 32,13 0-31,27-53-16,-13 14 16,39-67-1,14-93 16,-67 107-31,1-27 16,-14 66 15,-13 40-31,0-1 16,0 1 78,40 185-63,39 40-15,-26-27-1,53 40 1,-80-185-1,1 26 1,-1 13 0</inkml:trace>
+  <inkml:trace contextRef="#ctx0" brushRef="#br0" timeOffset="114744.29">26101 2725 0,'53'13'46,"-26"27"-30,52 132 0,-53-119-1,54 198 17,-41-105-17,-25-106 1,-14-27-1,-40-119 79</inkml:trace>
+  <inkml:trace contextRef="#ctx0" brushRef="#br0" timeOffset="115765.98">26194 2765 0,'0'0'0,"13"-79"31,0 65-15,27-25 15,-14 12-15,93 14-16,0 0 31,-66 13-16,-26 0-15,13 0 16,-14 0 0,53 13-1,-52 0 1,39 80 15,-26 26 0,-27 13-15,13 27 15,-26-93 1,0-53-32,0 40 15,-13-13 1,-13 39-1,12-39 1,-12-40-16,0 40 16,26-27-1,-14 0 1,-12 0 15,-27-13 0,-79 0-15,118 0 0,-25 0-16,-14 0 31,13 0 0,-39-13-15,65 13-1,1 0 79,-13 0-63</inkml:trace>
+</inkml:ink>
+</file>
+
+<file path=ppt/ink/ink2.xml><?xml version="1.0" encoding="utf-8"?>
+<inkml:ink xmlns:inkml="http://www.w3.org/2003/InkML">
+  <inkml:definitions>
+    <inkml:context xml:id="ctx0">
+      <inkml:inkSource xml:id="inkSrc0">
+        <inkml:traceFormat>
+          <inkml:channel name="X" type="integer" max="3926" units="cm"/>
+          <inkml:channel name="Y" type="integer" max="1440" units="cm"/>
+          <inkml:channel name="T" type="integer" max="2.14748E9" units="dev"/>
+        </inkml:traceFormat>
+        <inkml:channelProperties>
+          <inkml:channelProperty channel="X" name="resolution" value="56.08571" units="1/cm"/>
+          <inkml:channelProperty channel="Y" name="resolution" value="36.92308" units="1/cm"/>
+          <inkml:channelProperty channel="T" name="resolution" value="1" units="1/dev"/>
+        </inkml:channelProperties>
+      </inkml:inkSource>
+      <inkml:timestamp xml:id="ts0" timeString="2024-07-18T23:59:43.018"/>
+    </inkml:context>
+    <inkml:brush xml:id="br0">
+      <inkml:brushProperty name="width" value="0.05292" units="cm"/>
+      <inkml:brushProperty name="height" value="0.05292" units="cm"/>
+      <inkml:brushProperty name="color" value="#FF0000"/>
+    </inkml:brush>
+  </inkml:definitions>
+  <inkml:trace contextRef="#ctx0" brushRef="#br0">17634 14340 0,'0'40'79,"0"185"-48,0-185-16,0 92-15,0-26 16,0-40-16,0 27 16,0-80-16,14 172 15,-14-119 1,0 14 0,26 131-1,-13-118-15,27 39 31,-40-13-31,0 66 32,0-132-17,0 80 1,0-120 0,0 40-16,27 13 15,-27-40 1,13-12-16,0 52 31,0-66-31,0 26 16,1-13 15,-1 14-15,0-14-1,27 14 1,26-1 15,27 0-15,65 14-1,-65-27 1,66 1-16,-40-14 16,-27 39-16,54-25 15,39 12 1,-66-13-1,119 27 1,-198-40-16,132 0 16,-13 0-1,-120 0 1,-25 0 0,12 26-16,-13-26 31,93 14-16,-66-14 1,79 26 0,26-13 15,-12 0-15,-67-13-1,-26 27-15,92-1 16,172 14 15,-185-27-31,-39 1 16,118 12-1,-39 0 1,92 1 0,-145-14-16,-66 0 15,356 40 1,-263-13-16,-1-27 15,252 27 17,-278 0-32,26-27 15,119 13 1,-119-13-16,1 14 16,211 26-1,-186-53 1,1 26-16,66 1 15,93-27 1,-160 0-16,120 0 16,-225 0-1,450 0 1,-358 0 0,-92 0-16,265 26 15,-212 1 1,-14-14-16,40 13 15,-79-26 1,185 14 0,199 39 15,-212-40-15,370 26 15,-145 14-16,-304-26 1,-1-14-16,-13-13 16,146 13-1,-119-13-15,-40 0 16,13 0-16,-79 0 16,106 0-16,-66-13 15,12-13-15,54-1 16,40-26-1,-107 27-15,93-1 32,27-39-1,-199 53-15,53-27-1,-26 1-15,53-14 16,-1-14-1,107-38 17,-186 91-32,53-12 15,-26-27 1,-14 13 0,-12-79 15,-1 119-31,13-92 0,-13-14 15,1 27 1,-1-160 15,-13 54-15,0-172 15,0 106 0,0-40 1,0 185-17,0 40 1,0-14-16,-13 27 16,-27-79-1,27 79 1,13-13-1,-13 26-15,-1 27 16,-12-106 15,13 79-15,13 14-16,-14 13 0,1-27 16,0 13-1,-14-25 1,-12 25 15,-27-39-15,-106-27-1,13 27 17,93 27-17,-67-28 1,-39-25-1,27 79 1,26-14 0,26 14-1,-26-14-15,66 27 16,27-13 0,-1 13-16,-39-13 31,40 13-31,13 0 0,-14-13 15,-13-14 1,-12 27 0,12 0-1,-13-13-15,-40 13 16,14-13 0,-27 0-1,-39-1 1,118 14-1,-65 0 17,52 0-32,-13 0 15,13 0 1,1 0-16,-41 0 31,1 0-31,-80 0 31,0 0 1,146 0-32,-199 0 31,-13 0 0,133 0-31,13 0 16,12 0-16,41 0 0,-67 0 15,-237 0 32,91 0-31,81 0 15,65 0-31,27 0 0,-40 0 16,66 0-16,-65 0 15,-94 0 1,67 0 0,0 0 15,-54 0-15,41-13-1,39 13 1,-40 0-1,14 0 1,119 0 0,-93 0-16,-66 0 15,106 0 1,-119-13 15,39 13 0,120 0-31,-159 0 16,39 0 0,-198 0 15,93 0-15,145 0-1,0 0 1,-264 0-1,264 0-15,53 0 16,-238 0 0,66 0 15,-92 0 0,303 0-31,-224 26 31,106 14-15,13-14 0,53-12-16,-14-14 15,-198 53 17,212-40-17,0 0 1,13-13-1,-66 13 1,80-13 0,-28 0-1,28 0 1,-14 14 0,0-14-16,13 0 31,27 0-31,-93 39 15,66-39 1,-39 13-16,39-13 0,-26 14 16,0-14-1,-13 0 1,26 13 0,-27-13-1,41 0-15,-41 0 16,-39 0-1,-13 0 1,26 0 0,14 0-1,-41 0 1,67 0 0,0 0 15,39 0-31,14 0 0,-159 0 31,133 0-15,-54 0-1,53 0 1,-66 0 15,54 0-15,25 0-1,-66 13 1,80-13-16,-40 0 16,27 13-1,-14-13 17,-13 0-1,40 0-31,0 0 0,-14 14 31,-26-14-15,27 0-16,0 26 15,-14-26 1,-26 13 0,39-13-16,14 14 0,-27-14 15,-66 0 1,27 13-1,39-13 1,14 13 0,-14-13 140,-13 0-140,-13 0-16,-13 0 31,52 0-31,-12 0 31,25 0-15,1 0 171</inkml:trace>
+  <inkml:trace contextRef="#ctx0" brushRef="#br0" timeOffset="30933.11">20002 1455 0,'-13'0'125,"0"0"-110,-80 0 17,27 0-32,-172 27 31,159-14-15,52-13-16,-92 13 15,27-13 16,52 27 1,40-1-17,-26 14 1,26 13 0,0-40 15,0 53 0,0-26-31,0 79 31,0-40 1,0-39-32,0 0 15,0-1 16,0 1-15,-14 0 0,1-27-1,0 53-15,0-13 16,-14-13 0,-26 52 15,-39 107 0,39-120-15,-53 67-1,66-67 17,146-119 61,-80 27-77,27 13 15,0 40-15,-53-14-16,53 67 15,-26-40 1,26 52-16,0 1 16,52 146 15,-91-173-31,-14-26 16,66 119-1,40 93 1,-27-94-1,-66-157-15,119 131 16,-39-65 0,-53-54-1,39 40 1,-39-39 0,-27-27 15,-13-14 31</inkml:trace>
+  <inkml:trace contextRef="#ctx0" brushRef="#br0" timeOffset="31776.17">17105 2844 0,'106'-119'78,"-53"0"-62,0-26-16,-13 78 16,39-118-1,-79 172 16,13-27-15,27 159 47,-40-92-48,26 118-15,1-26 16,-1 80-1,-12-146-15,-1 79 16,0-92-16,27 26 31,-27-66 47</inkml:trace>
+  <inkml:trace contextRef="#ctx0" brushRef="#br0" timeOffset="32733.39">17912 2051 0,'0'13'79,"-106"40"-33,-39 13-14,132-40-32,13 14 31,13-14 0,0-12-15,40-14 15,26 0 0,-39 0-31,53 26 16,-80-26 0,27 13-1,-14 14 1,1 12-1,12 14 1,-12 0 0,-14-13-1,27 92 17,-14-26-1,-26-79-16,0-1-15,-40-26 32,-39 0-17,66 0 1,0 0 0,-14 0 15,14 13-16,-40-13 1,-40 0 0,67 0-1</inkml:trace>
+  <inkml:trace contextRef="#ctx0" brushRef="#br0" timeOffset="37403.76">20174 2963 0,'40'0'47,"-13"0"-16,-1 0-15,14 0 15,13 0-15,132 0 15,159 0-15,-53 0-1,-13 14 1,-146-1 0,-53 0-16,226 40 0,-67-27 31,-146-12-31,-39-14 16,265 39-1,79 1 16,-239-40-15,94 0 0,-226 0-1,80 0-15,40 0 32,-1 13-32,1-13 15,145 27 1,-278-14-1,93-13-15,13 26 32,-27 1-1,-78-27-15,-1 0-1</inkml:trace>
+</inkml:ink>
+</file>
+
+<file path=ppt/ink/ink3.xml><?xml version="1.0" encoding="utf-8"?>
+<inkml:ink xmlns:inkml="http://www.w3.org/2003/InkML">
+  <inkml:definitions>
+    <inkml:context xml:id="ctx0">
+      <inkml:inkSource xml:id="inkSrc0">
+        <inkml:traceFormat>
+          <inkml:channel name="X" type="integer" max="3926" units="cm"/>
+          <inkml:channel name="Y" type="integer" max="1440" units="cm"/>
+          <inkml:channel name="T" type="integer" max="2.14748E9" units="dev"/>
+        </inkml:traceFormat>
+        <inkml:channelProperties>
+          <inkml:channelProperty channel="X" name="resolution" value="56.08571" units="1/cm"/>
+          <inkml:channelProperty channel="Y" name="resolution" value="36.92308" units="1/cm"/>
+          <inkml:channelProperty channel="T" name="resolution" value="1" units="1/dev"/>
+        </inkml:channelProperties>
+      </inkml:inkSource>
+      <inkml:timestamp xml:id="ts0" timeString="2024-07-19T00:02:42.798"/>
+    </inkml:context>
+    <inkml:brush xml:id="br0">
+      <inkml:brushProperty name="width" value="0.05292" units="cm"/>
+      <inkml:brushProperty name="height" value="0.05292" units="cm"/>
+      <inkml:brushProperty name="color" value="#FF0000"/>
+    </inkml:brush>
+  </inkml:definitions>
+  <inkml:trace contextRef="#ctx0" brushRef="#br0">3109 9631 0,'-13'0'79,"13"79"-48,0-52-31,0 26 15,0-40-15,0 40 16,0-40 0,0 13-1,0 14 17,0 0-32,0-27 15,0 40 1,0-27-1,0 14 1,13 13 15,0-27-15,0-12-16,-13-1 16,0 0-1,14 14 1,-14-1-1,0-13-15,0 1 16,13-1 0,-13 0-1,0 0 32,26 14-16,-13-27 63,1 0-78,-1 0-1,0 0 1,27 0 15,26 0 1,13 0-1,1 13-16,26-13 1,-80 0 0,120 0-1,-107 0 1,-26 0-16,40 0 16,-39 0-1,12 0 1,-13 0 78,67 0-63,-14 0-31,-53 0 0,40 0 15,26 0 1,-39 0-16,13 0 16,13 13-1,13-13-15,14 13 32,-40-13-17,-40 14-15,0-14 16,1 0 62,91 13-47,-78-13-15,66 0 15,-67 0-31,-13 0 16,27 0-16,0 0 15,79 0 1,-66 0 0,119 13-1,-159-13-15,26 0 16,41 13 15,-40-13-31,-27 27 0,13-27 16,40 0-1,-13 0 1,53 13 0,-79-13-16,39 13 15,53-13 16,-80 0-31,41 0 16,-14 0 0,-13 0-16,-13 0 15,13 13 1,-27-13-16,27 0 16,26 14-1,-52-14 1,79 0-1,-80 0-15,0 0 16,27 0 15,0 0-31,66 0 32,27 0-17,-53 0 1,52 0 15,-79 0-15,-26 0-1,-14 0-15,-12 0 0,65 0 32,-66 0-17,53 0 1,-26 0-1,13 0 17,-27 0-1,-12 0 0,25-14-15,-25 14 15,25 0 0,-12-26-15,-1 13 31,-13 0-32,27-40 17,-27 26-17,0 1 1,14-54 15,-1 27-31,-12-13 31,12-53 1,-26 93-17,13-14-15,1-13 16,-14 27 0,0-54-1,13 54 1,0-40 15,-13 39-31,13 1 31,-13-54 1,0 54-1,0-1-16,-13 1 1,-13 13 15,12 0 1,1 13-1,0 0-16,0 0 1,-1-14 0,1 14-1,0 0-15,-14 0 0,-12-39 32,12 39-17,-39-14 1,13 1-1,-26 13 1,13 0 0,-106-13-1,145 13-15,-12 0 16,-54 0 0,27-13-1,-66 13 1,65 0 15,-91 0-15,92 0-1,-106 0 17,13 0-1,27 0-16,-54 0 1,41 0 0,39 0-1,-53 0 1,67 0 0,65 0-1,-26 0-15,-26 0 16,26 0-1,-13 0 1,0 0-16,-40 0 31,13 0-15,80 0-16,-40 0 31,-40 0-15,-12 0-1,-54 0 17,132 0-32,-65 0 15,-54 0 1,133 0-16,-40 0 16,40 0-1,-14 0-15,1 0 16,13 0 31,0 0-32,-14 0-15,-13 0 16,27 0-16,-66 0 31,-80 13-15,133-13-1,-67 13 1,14-13 15,-14 0 1,67 0-17,12 0 32,1 0-47,0 27 16,-27-27-1,0 13 1,14-13 0,-53 13 15,13 14 0,52-27-15,1 13-1,0-13 1,-14 26 0,27-13 15,-13-13-16,13 14 32,-13-14-15,-14 26-1,14-13 0,0-13 0,0 0 63,13 14-78,-13-14-16,-1 13 15</inkml:trace>
+  <inkml:trace contextRef="#ctx0" brushRef="#br0" timeOffset="20625.5">15782 9551 0,'0'27'47,"0"317"-16,0-291-31,0 106 16,0 52-1,0-78 1,0-28-16,0-52 16,0 80-1,0-94 1,-26 27-1,13-26 1,-14 13 0,14-40-1,0-13-15,-40 40 16,-40 0 15,-132-1 0,-79 1-31,106-40 16,-345 0 15,411 0-31,79 0 0,-476 0 32,-93-27-1,-39-78 0,356 65-31,-211-39 31,1-1 1,435 80-17,54 0 1,-27 0 15,-53 0-15,40 0-1,-40 0 1,40 0 0,79-13 234,66-40-219,-39 40-31,13-14 31,-40 14-15,0 0-16,1 13 0,25-27 47,-25 27-16,-1 0-16,-13-13 1,13 13 125,0 80-110,-13-67-31,14 79 31,12-39 0,-13-39-31</inkml:trace>
+  <inkml:trace contextRef="#ctx0" brushRef="#br0" timeOffset="22071.45">15888 8665 0,'-13'0'32,"-106"0"30,-265 13-31,305 27-15,-14 0-16,54-40 16,-14 26-16,26 14 15,1-27-15,13 40 31,13-27-31,0 14 16,0-13 0,92 52 15,-52-53-31,-14-12 0,40-14 31,1 0 0,-28 0-15,-25 0-16,38 0 16,-25 0-1,-14-27-15,0 27 16,27-26 0,-40 13-1,0-1 32,-40 14-16,27 0-15,-40 0 0,0 0 15,-39-26-16,52 26 1,27 0-16</inkml:trace>
+  <inkml:trace contextRef="#ctx0" brushRef="#br0" timeOffset="23369.45">16047 8731 0,'0'80'63,"0"-41"-47,0 67-1,13 26 16,0-79-31,1-26 32,-14-199 77,0-13-78,13 118 1,-13 54-17,13 0 32,106 119-31,-79-66-1,-27-14 1,53 67 15,-53-93 0,14 0-15,-1 0 0,146-239 15,-145 213-31,13-27 16,-14-13-1,-13 79 63,-13 14-62,27 171 15,12-13-15,1-79-1,-40-66 1,13 26 0,0-40-1,-13 1 1,67-133 62</inkml:trace>
+  <inkml:trace contextRef="#ctx0" brushRef="#br0" timeOffset="24212.35">17304 8414 0,'0'132'47,"-27"-53"-31,14-26-1,13-26-15,-53 105 0,27-92 16,-1 52-16,1-25 16,26-54-16,-13 26 15,-1 1 1,14-13-16,0-80 94,14-13-79,65-67 1,40-118-1,-93 185 1,-26 39 0,14 14-16,-14 0 31,13 13 16,27 66-32,12 13 1,-12-26 0,0 13-1,-27-39-15,0 26 16,14-40-16,-27 0 16,26 27-1,-26-27 1,13 0-1</inkml:trace>
+  <inkml:trace contextRef="#ctx0" brushRef="#br0" timeOffset="24756.04">17211 8850 0,'-13'-13'16,"26"13"-1,0 0-15,27-13 16,13 0-1,-27-14 1,14 27-16,39-13 16,14 0 15,13-1-31,-80 14 16,14-13-1</inkml:trace>
+  <inkml:trace contextRef="#ctx0" brushRef="#br0" timeOffset="25258.97">17820 8480 0,'13'0'62,"27"212"-30,-40-186-32,0 27 15,0-27-15,0 14 16,0 0-1,53 119 17,-53-146-32,13 0 15</inkml:trace>
+  <inkml:trace contextRef="#ctx0" brushRef="#br0" timeOffset="26159.62">18177 8321 0,'26'40'140,"-12"26"-124,25 225 15,-26-93-15,14-105-1,-27-80-15,26 27 16,-26-27-16,0 0 16,14 1-1,-1-1 1,13 27 15,-26-27 0,27-13 16,26 0-31,0 0 0,0 0-1,13 0 1,-53 0 15,13 0-15,-12-13-1,25 13-15,-12 0 16,-14 0-16</inkml:trace>
+</inkml:ink>
+</file>
+
+<file path=ppt/notesMasters/notesMaster1.xml><?xml version="1.0" encoding="utf-8"?>
+<p:notesMaster xmlns:a="http://schemas.openxmlformats.org/drawingml/2006/main" xmlns:r="http://schemas.openxmlformats.org/officeDocument/2006/relationships" xmlns:p="http://schemas.openxmlformats.org/presentationml/2006/main">
+  <p:cSld>
+    <p:bg>
+      <p:bgRef idx="1001">
+        <a:schemeClr val="bg1"/>
+      </p:bgRef>
+    </p:bg>
+    <p:spTree>
+      <p:nvGrpSpPr>
+        <p:cNvPr id="1" name=""/>
+        <p:cNvGrpSpPr/>
+        <p:nvPr/>
+      </p:nvGrpSpPr>
+      <p:grpSpPr>
+        <a:xfrm>
+          <a:off x="0" y="0"/>
+          <a:ext cx="0" cy="0"/>
+          <a:chOff x="0" y="0"/>
+          <a:chExt cx="0" cy="0"/>
+        </a:xfrm>
+      </p:grpSpPr>
+      <p:sp>
+        <p:nvSpPr>
+          <p:cNvPr id="2" name="Marcador de encabezado 1"/>
+          <p:cNvSpPr>
+            <a:spLocks noGrp="1"/>
+          </p:cNvSpPr>
+          <p:nvPr>
+            <p:ph type="hdr" sz="quarter"/>
+          </p:nvPr>
+        </p:nvSpPr>
+        <p:spPr>
+          <a:xfrm>
+            <a:off x="0" y="0"/>
+            <a:ext cx="2971800" cy="458788"/>
+          </a:xfrm>
+          <a:prstGeom prst="rect">
+            <a:avLst/>
+          </a:prstGeom>
+        </p:spPr>
+        <p:txBody>
+          <a:bodyPr vert="horz" lIns="91440" tIns="45720" rIns="91440" bIns="45720" rtlCol="0"/>
+          <a:lstStyle>
+            <a:lvl1pPr algn="l">
+              <a:defRPr sz="1200"/>
+            </a:lvl1pPr>
+          </a:lstStyle>
+          <a:p>
+            <a:endParaRPr lang="es-CL"/>
+          </a:p>
+        </p:txBody>
+      </p:sp>
+      <p:sp>
+        <p:nvSpPr>
+          <p:cNvPr id="3" name="Marcador de fecha 2"/>
+          <p:cNvSpPr>
+            <a:spLocks noGrp="1"/>
+          </p:cNvSpPr>
+          <p:nvPr>
+            <p:ph type="dt" idx="1"/>
+          </p:nvPr>
+        </p:nvSpPr>
+        <p:spPr>
+          <a:xfrm>
+            <a:off x="3884613" y="0"/>
+            <a:ext cx="2971800" cy="458788"/>
+          </a:xfrm>
+          <a:prstGeom prst="rect">
+            <a:avLst/>
+          </a:prstGeom>
+        </p:spPr>
+        <p:txBody>
+          <a:bodyPr vert="horz" lIns="91440" tIns="45720" rIns="91440" bIns="45720" rtlCol="0"/>
+          <a:lstStyle>
+            <a:lvl1pPr algn="r">
+              <a:defRPr sz="1200"/>
+            </a:lvl1pPr>
+          </a:lstStyle>
+          <a:p>
+            <a:fld id="{9C384ED2-8F19-438D-9406-1378BBD65356}" type="datetimeFigureOut">
+              <a:rPr lang="es-CL" smtClean="0"/>
+              <a:t>18-07-2024</a:t>
+            </a:fld>
+            <a:endParaRPr lang="es-CL"/>
+          </a:p>
+        </p:txBody>
+      </p:sp>
+      <p:sp>
+        <p:nvSpPr>
+          <p:cNvPr id="4" name="Marcador de imagen de diapositiva 3"/>
+          <p:cNvSpPr>
+            <a:spLocks noGrp="1" noRot="1" noChangeAspect="1"/>
+          </p:cNvSpPr>
+          <p:nvPr>
+            <p:ph type="sldImg" idx="2"/>
+          </p:nvPr>
+        </p:nvSpPr>
+        <p:spPr>
+          <a:xfrm>
+            <a:off x="685800" y="1143000"/>
+            <a:ext cx="5486400" cy="3086100"/>
+          </a:xfrm>
+          <a:prstGeom prst="rect">
+            <a:avLst/>
+          </a:prstGeom>
+          <a:noFill/>
+          <a:ln w="12700">
+            <a:solidFill>
+              <a:prstClr val="black"/>
+            </a:solidFill>
+          </a:ln>
+        </p:spPr>
+        <p:txBody>
+          <a:bodyPr vert="horz" lIns="91440" tIns="45720" rIns="91440" bIns="45720" rtlCol="0" anchor="ctr"/>
+          <a:lstStyle/>
+          <a:p>
+            <a:endParaRPr lang="es-CL"/>
+          </a:p>
+        </p:txBody>
+      </p:sp>
+      <p:sp>
+        <p:nvSpPr>
+          <p:cNvPr id="5" name="Marcador de notas 4"/>
+          <p:cNvSpPr>
+            <a:spLocks noGrp="1"/>
+          </p:cNvSpPr>
+          <p:nvPr>
+            <p:ph type="body" sz="quarter" idx="3"/>
+          </p:nvPr>
+        </p:nvSpPr>
+        <p:spPr>
+          <a:xfrm>
+            <a:off x="685800" y="4400550"/>
+            <a:ext cx="5486400" cy="3600450"/>
+          </a:xfrm>
+          <a:prstGeom prst="rect">
+            <a:avLst/>
+          </a:prstGeom>
+        </p:spPr>
+        <p:txBody>
+          <a:bodyPr vert="horz" lIns="91440" tIns="45720" rIns="91440" bIns="45720" rtlCol="0"/>
+          <a:lstStyle/>
+          <a:p>
+            <a:pPr lvl="0"/>
+            <a:r>
+              <a:rPr lang="es-ES"/>
+              <a:t>Haga clic para modificar los estilos de texto del patrón</a:t>
+            </a:r>
+          </a:p>
+          <a:p>
+            <a:pPr lvl="1"/>
+            <a:r>
+              <a:rPr lang="es-ES"/>
+              <a:t>Segundo nivel</a:t>
+            </a:r>
+          </a:p>
+          <a:p>
+            <a:pPr lvl="2"/>
+            <a:r>
+              <a:rPr lang="es-ES"/>
+              <a:t>Tercer nivel</a:t>
+            </a:r>
+          </a:p>
+          <a:p>
+            <a:pPr lvl="3"/>
+            <a:r>
+              <a:rPr lang="es-ES"/>
+              <a:t>Cuarto nivel</a:t>
+            </a:r>
+          </a:p>
+          <a:p>
+            <a:pPr lvl="4"/>
+            <a:r>
+              <a:rPr lang="es-ES"/>
+              <a:t>Quinto nivel</a:t>
+            </a:r>
+            <a:endParaRPr lang="es-CL"/>
+          </a:p>
+        </p:txBody>
+      </p:sp>
+      <p:sp>
+        <p:nvSpPr>
+          <p:cNvPr id="6" name="Marcador de pie de página 5"/>
+          <p:cNvSpPr>
+            <a:spLocks noGrp="1"/>
+          </p:cNvSpPr>
+          <p:nvPr>
+            <p:ph type="ftr" sz="quarter" idx="4"/>
+          </p:nvPr>
+        </p:nvSpPr>
+        <p:spPr>
+          <a:xfrm>
+            <a:off x="0" y="8685213"/>
+            <a:ext cx="2971800" cy="458787"/>
+          </a:xfrm>
+          <a:prstGeom prst="rect">
+            <a:avLst/>
+          </a:prstGeom>
+        </p:spPr>
+        <p:txBody>
+          <a:bodyPr vert="horz" lIns="91440" tIns="45720" rIns="91440" bIns="45720" rtlCol="0" anchor="b"/>
+          <a:lstStyle>
+            <a:lvl1pPr algn="l">
+              <a:defRPr sz="1200"/>
+            </a:lvl1pPr>
+          </a:lstStyle>
+          <a:p>
+            <a:endParaRPr lang="es-CL"/>
+          </a:p>
+        </p:txBody>
+      </p:sp>
+      <p:sp>
+        <p:nvSpPr>
+          <p:cNvPr id="7" name="Marcador de número de diapositiva 6"/>
+          <p:cNvSpPr>
+            <a:spLocks noGrp="1"/>
+          </p:cNvSpPr>
+          <p:nvPr>
+            <p:ph type="sldNum" sz="quarter" idx="5"/>
+          </p:nvPr>
+        </p:nvSpPr>
+        <p:spPr>
+          <a:xfrm>
+            <a:off x="3884613" y="8685213"/>
+            <a:ext cx="2971800" cy="458787"/>
+          </a:xfrm>
+          <a:prstGeom prst="rect">
+            <a:avLst/>
+          </a:prstGeom>
+        </p:spPr>
+        <p:txBody>
+          <a:bodyPr vert="horz" lIns="91440" tIns="45720" rIns="91440" bIns="45720" rtlCol="0" anchor="b"/>
+          <a:lstStyle>
+            <a:lvl1pPr algn="r">
+              <a:defRPr sz="1200"/>
+            </a:lvl1pPr>
+          </a:lstStyle>
+          <a:p>
+            <a:fld id="{C7CF275D-9C98-4A24-8BC3-2C3E07569662}" type="slidenum">
+              <a:rPr lang="es-CL" smtClean="0"/>
+              <a:t>‹Nº›</a:t>
+            </a:fld>
+            <a:endParaRPr lang="es-CL"/>
+          </a:p>
+        </p:txBody>
+      </p:sp>
+    </p:spTree>
+    <p:extLst>
+      <p:ext uri="{BB962C8B-B14F-4D97-AF65-F5344CB8AC3E}">
+        <p14:creationId xmlns:p14="http://schemas.microsoft.com/office/powerpoint/2010/main" val="2826847837"/>
+      </p:ext>
+    </p:extLst>
+  </p:cSld>
+  <p:clrMap bg1="lt1" tx1="dk1" bg2="lt2" tx2="dk2" accent1="accent1" accent2="accent2" accent3="accent3" accent4="accent4" accent5="accent5" accent6="accent6" hlink="hlink" folHlink="folHlink"/>
+  <p:notesStyle>
+    <a:lvl1pPr marL="0" algn="l" defTabSz="914400" rtl="0" eaLnBrk="1" latinLnBrk="0" hangingPunct="1">
+      <a:defRPr sz="1200" kern="1200">
+        <a:solidFill>
+          <a:schemeClr val="tx1"/>
+        </a:solidFill>
+        <a:latin typeface="+mn-lt"/>
+        <a:ea typeface="+mn-ea"/>
+        <a:cs typeface="+mn-cs"/>
+      </a:defRPr>
+    </a:lvl1pPr>
+    <a:lvl2pPr marL="457200" algn="l" defTabSz="914400" rtl="0" eaLnBrk="1" latinLnBrk="0" hangingPunct="1">
+      <a:defRPr sz="1200" kern="1200">
+        <a:solidFill>
+          <a:schemeClr val="tx1"/>
+        </a:solidFill>
+        <a:latin typeface="+mn-lt"/>
+        <a:ea typeface="+mn-ea"/>
+        <a:cs typeface="+mn-cs"/>
+      </a:defRPr>
+    </a:lvl2pPr>
+    <a:lvl3pPr marL="914400" algn="l" defTabSz="914400" rtl="0" eaLnBrk="1" latinLnBrk="0" hangingPunct="1">
+      <a:defRPr sz="1200" kern="1200">
+        <a:solidFill>
+          <a:schemeClr val="tx1"/>
+        </a:solidFill>
+        <a:latin typeface="+mn-lt"/>
+        <a:ea typeface="+mn-ea"/>
+        <a:cs typeface="+mn-cs"/>
+      </a:defRPr>
+    </a:lvl3pPr>
+    <a:lvl4pPr marL="1371600" algn="l" defTabSz="914400" rtl="0" eaLnBrk="1" latinLnBrk="0" hangingPunct="1">
+      <a:defRPr sz="1200" kern="1200">
+        <a:solidFill>
+          <a:schemeClr val="tx1"/>
+        </a:solidFill>
+        <a:latin typeface="+mn-lt"/>
+        <a:ea typeface="+mn-ea"/>
+        <a:cs typeface="+mn-cs"/>
+      </a:defRPr>
+    </a:lvl4pPr>
+    <a:lvl5pPr marL="1828800" algn="l" defTabSz="914400" rtl="0" eaLnBrk="1" latinLnBrk="0" hangingPunct="1">
+      <a:defRPr sz="1200" kern="1200">
+        <a:solidFill>
+          <a:schemeClr val="tx1"/>
+        </a:solidFill>
+        <a:latin typeface="+mn-lt"/>
+        <a:ea typeface="+mn-ea"/>
+        <a:cs typeface="+mn-cs"/>
+      </a:defRPr>
+    </a:lvl5pPr>
+    <a:lvl6pPr marL="2286000" algn="l" defTabSz="914400" rtl="0" eaLnBrk="1" latinLnBrk="0" hangingPunct="1">
+      <a:defRPr sz="1200" kern="1200">
+        <a:solidFill>
+          <a:schemeClr val="tx1"/>
+        </a:solidFill>
+        <a:latin typeface="+mn-lt"/>
+        <a:ea typeface="+mn-ea"/>
+        <a:cs typeface="+mn-cs"/>
+      </a:defRPr>
+    </a:lvl6pPr>
+    <a:lvl7pPr marL="2743200" algn="l" defTabSz="914400" rtl="0" eaLnBrk="1" latinLnBrk="0" hangingPunct="1">
+      <a:defRPr sz="1200" kern="1200">
+        <a:solidFill>
+          <a:schemeClr val="tx1"/>
+        </a:solidFill>
+        <a:latin typeface="+mn-lt"/>
+        <a:ea typeface="+mn-ea"/>
+        <a:cs typeface="+mn-cs"/>
+      </a:defRPr>
+    </a:lvl7pPr>
+    <a:lvl8pPr marL="3200400" algn="l" defTabSz="914400" rtl="0" eaLnBrk="1" latinLnBrk="0" hangingPunct="1">
+      <a:defRPr sz="1200" kern="1200">
+        <a:solidFill>
+          <a:schemeClr val="tx1"/>
+        </a:solidFill>
+        <a:latin typeface="+mn-lt"/>
+        <a:ea typeface="+mn-ea"/>
+        <a:cs typeface="+mn-cs"/>
+      </a:defRPr>
+    </a:lvl8pPr>
+    <a:lvl9pPr marL="3657600" algn="l" defTabSz="914400" rtl="0" eaLnBrk="1" latinLnBrk="0" hangingPunct="1">
+      <a:defRPr sz="1200" kern="1200">
+        <a:solidFill>
+          <a:schemeClr val="tx1"/>
+        </a:solidFill>
+        <a:latin typeface="+mn-lt"/>
+        <a:ea typeface="+mn-ea"/>
+        <a:cs typeface="+mn-cs"/>
+      </a:defRPr>
+    </a:lvl9pPr>
+  </p:notesStyle>
+</p:notesMaster>
+</file>
+
+<file path=ppt/notesSlides/notesSlide1.xml><?xml version="1.0" encoding="utf-8"?>
+<p:notes xmlns:a="http://schemas.openxmlformats.org/drawingml/2006/main" xmlns:r="http://schemas.openxmlformats.org/officeDocument/2006/relationships" xmlns:p="http://schemas.openxmlformats.org/presentationml/2006/main">
+  <p:cSld>
+    <p:spTree>
+      <p:nvGrpSpPr>
+        <p:cNvPr id="1" name=""/>
+        <p:cNvGrpSpPr/>
+        <p:nvPr/>
+      </p:nvGrpSpPr>
+      <p:grpSpPr>
+        <a:xfrm>
+          <a:off x="0" y="0"/>
+          <a:ext cx="0" cy="0"/>
+          <a:chOff x="0" y="0"/>
+          <a:chExt cx="0" cy="0"/>
+        </a:xfrm>
+      </p:grpSpPr>
+      <p:sp>
+        <p:nvSpPr>
+          <p:cNvPr id="2" name="Marcador de imagen de diapositiva 1"/>
+          <p:cNvSpPr>
+            <a:spLocks noGrp="1" noRot="1" noChangeAspect="1"/>
+          </p:cNvSpPr>
+          <p:nvPr>
+            <p:ph type="sldImg"/>
+          </p:nvPr>
+        </p:nvSpPr>
+        <p:spPr/>
+      </p:sp>
+      <p:sp>
+        <p:nvSpPr>
+          <p:cNvPr id="3" name="Marcador de notas 2"/>
+          <p:cNvSpPr>
+            <a:spLocks noGrp="1"/>
+          </p:cNvSpPr>
+          <p:nvPr>
+            <p:ph type="body" idx="1"/>
+          </p:nvPr>
+        </p:nvSpPr>
+        <p:spPr/>
+        <p:txBody>
+          <a:bodyPr/>
+          <a:lstStyle/>
+          <a:p>
+            <a:endParaRPr lang="es-CL"/>
+          </a:p>
+        </p:txBody>
+      </p:sp>
+      <p:sp>
+        <p:nvSpPr>
+          <p:cNvPr id="4" name="Marcador de número de diapositiva 3"/>
+          <p:cNvSpPr>
+            <a:spLocks noGrp="1"/>
+          </p:cNvSpPr>
+          <p:nvPr>
+            <p:ph type="sldNum" sz="quarter" idx="5"/>
+          </p:nvPr>
+        </p:nvSpPr>
+        <p:spPr/>
+        <p:txBody>
+          <a:bodyPr/>
+          <a:lstStyle/>
+          <a:p>
+            <a:fld id="{C7CF275D-9C98-4A24-8BC3-2C3E07569662}" type="slidenum">
+              <a:rPr lang="es-CL" smtClean="0"/>
+              <a:t>3</a:t>
+            </a:fld>
+            <a:endParaRPr lang="es-CL"/>
+          </a:p>
+        </p:txBody>
+      </p:sp>
+    </p:spTree>
+    <p:extLst>
+      <p:ext uri="{BB962C8B-B14F-4D97-AF65-F5344CB8AC3E}">
+        <p14:creationId xmlns:p14="http://schemas.microsoft.com/office/powerpoint/2010/main" val="1455940083"/>
+      </p:ext>
+    </p:extLst>
+  </p:cSld>
+  <p:clrMapOvr>
+    <a:masterClrMapping/>
+  </p:clrMapOvr>
+</p:notes>
+</file>
+
 <file path=ppt/slideLayouts/slideLayout1.xml><?xml version="1.0" encoding="utf-8"?>
 <p:sldLayout xmlns:a="http://schemas.openxmlformats.org/drawingml/2006/main" xmlns:r="http://schemas.openxmlformats.org/officeDocument/2006/relationships" xmlns:p="http://schemas.openxmlformats.org/presentationml/2006/main" type="title" preserve="1">
   <p:cSld name="Diapositiva de título">
@@ -10400,7 +10949,7 @@
           <a:p>
             <a:fld id="{71BC3CD5-48EE-4327-83D6-3F6C7F9F416B}" type="datetimeFigureOut">
               <a:rPr lang="es-ES" smtClean="0"/>
-              <a:t>13/02/2024</a:t>
+              <a:t>18/07/2024</a:t>
             </a:fld>
             <a:endParaRPr lang="es-ES"/>
           </a:p>
@@ -10598,7 +11147,7 @@
           <a:p>
             <a:fld id="{71BC3CD5-48EE-4327-83D6-3F6C7F9F416B}" type="datetimeFigureOut">
               <a:rPr lang="es-ES" smtClean="0"/>
-              <a:t>13/02/2024</a:t>
+              <a:t>18/07/2024</a:t>
             </a:fld>
             <a:endParaRPr lang="es-ES"/>
           </a:p>
@@ -10806,7 +11355,7 @@
           <a:p>
             <a:fld id="{71BC3CD5-48EE-4327-83D6-3F6C7F9F416B}" type="datetimeFigureOut">
               <a:rPr lang="es-ES" smtClean="0"/>
-              <a:t>13/02/2024</a:t>
+              <a:t>18/07/2024</a:t>
             </a:fld>
             <a:endParaRPr lang="es-ES"/>
           </a:p>
@@ -11004,7 +11553,7 @@
           <a:p>
             <a:fld id="{71BC3CD5-48EE-4327-83D6-3F6C7F9F416B}" type="datetimeFigureOut">
               <a:rPr lang="es-ES" smtClean="0"/>
-              <a:t>13/02/2024</a:t>
+              <a:t>18/07/2024</a:t>
             </a:fld>
             <a:endParaRPr lang="es-ES"/>
           </a:p>
@@ -11279,7 +11828,7 @@
           <a:p>
             <a:fld id="{71BC3CD5-48EE-4327-83D6-3F6C7F9F416B}" type="datetimeFigureOut">
               <a:rPr lang="es-ES" smtClean="0"/>
-              <a:t>13/02/2024</a:t>
+              <a:t>18/07/2024</a:t>
             </a:fld>
             <a:endParaRPr lang="es-ES"/>
           </a:p>
@@ -11544,7 +12093,7 @@
           <a:p>
             <a:fld id="{71BC3CD5-48EE-4327-83D6-3F6C7F9F416B}" type="datetimeFigureOut">
               <a:rPr lang="es-ES" smtClean="0"/>
-              <a:t>13/02/2024</a:t>
+              <a:t>18/07/2024</a:t>
             </a:fld>
             <a:endParaRPr lang="es-ES"/>
           </a:p>
@@ -11956,7 +12505,7 @@
           <a:p>
             <a:fld id="{71BC3CD5-48EE-4327-83D6-3F6C7F9F416B}" type="datetimeFigureOut">
               <a:rPr lang="es-ES" smtClean="0"/>
-              <a:t>13/02/2024</a:t>
+              <a:t>18/07/2024</a:t>
             </a:fld>
             <a:endParaRPr lang="es-ES"/>
           </a:p>
@@ -12097,7 +12646,7 @@
           <a:p>
             <a:fld id="{71BC3CD5-48EE-4327-83D6-3F6C7F9F416B}" type="datetimeFigureOut">
               <a:rPr lang="es-ES" smtClean="0"/>
-              <a:t>13/02/2024</a:t>
+              <a:t>18/07/2024</a:t>
             </a:fld>
             <a:endParaRPr lang="es-ES"/>
           </a:p>
@@ -12210,7 +12759,7 @@
           <a:p>
             <a:fld id="{71BC3CD5-48EE-4327-83D6-3F6C7F9F416B}" type="datetimeFigureOut">
               <a:rPr lang="es-ES" smtClean="0"/>
-              <a:t>13/02/2024</a:t>
+              <a:t>18/07/2024</a:t>
             </a:fld>
             <a:endParaRPr lang="es-ES"/>
           </a:p>
@@ -12521,7 +13070,7 @@
           <a:p>
             <a:fld id="{71BC3CD5-48EE-4327-83D6-3F6C7F9F416B}" type="datetimeFigureOut">
               <a:rPr lang="es-ES" smtClean="0"/>
-              <a:t>13/02/2024</a:t>
+              <a:t>18/07/2024</a:t>
             </a:fld>
             <a:endParaRPr lang="es-ES"/>
           </a:p>
@@ -12809,7 +13358,7 @@
           <a:p>
             <a:fld id="{71BC3CD5-48EE-4327-83D6-3F6C7F9F416B}" type="datetimeFigureOut">
               <a:rPr lang="es-ES" smtClean="0"/>
-              <a:t>13/02/2024</a:t>
+              <a:t>18/07/2024</a:t>
             </a:fld>
             <a:endParaRPr lang="es-ES"/>
           </a:p>
@@ -13050,7 +13599,7 @@
           <a:p>
             <a:fld id="{71BC3CD5-48EE-4327-83D6-3F6C7F9F416B}" type="datetimeFigureOut">
               <a:rPr lang="es-ES" smtClean="0"/>
-              <a:t>13/02/2024</a:t>
+              <a:t>18/07/2024</a:t>
             </a:fld>
             <a:endParaRPr lang="es-ES"/>
           </a:p>
@@ -13628,12 +14177,44 @@
           <a:p>
             <a:pPr algn="l"/>
             <a:r>
-              <a:rPr lang="es-ES" sz="4000">
+              <a:rPr lang="es-ES" sz="4000" dirty="0">
                 <a:solidFill>
                   <a:schemeClr val="tx2"/>
                 </a:solidFill>
               </a:rPr>
-              <a:t>Python Basics for Data Analytics</a:t>
+              <a:t>Python </a:t>
+            </a:r>
+            <a:r>
+              <a:rPr lang="es-ES" sz="4000" dirty="0" err="1">
+                <a:solidFill>
+                  <a:schemeClr val="tx2"/>
+                </a:solidFill>
+              </a:rPr>
+              <a:t>Basics</a:t>
+            </a:r>
+            <a:r>
+              <a:rPr lang="es-ES" sz="4000" dirty="0">
+                <a:solidFill>
+                  <a:schemeClr val="tx2"/>
+                </a:solidFill>
+              </a:rPr>
+              <a:t> </a:t>
+            </a:r>
+            <a:r>
+              <a:rPr lang="es-ES" sz="4000" dirty="0" err="1">
+                <a:solidFill>
+                  <a:schemeClr val="tx2"/>
+                </a:solidFill>
+              </a:rPr>
+              <a:t>for</a:t>
+            </a:r>
+            <a:r>
+              <a:rPr lang="es-ES" sz="4000" dirty="0">
+                <a:solidFill>
+                  <a:schemeClr val="tx2"/>
+                </a:solidFill>
+              </a:rPr>
+              <a:t> Data Science</a:t>
             </a:r>
           </a:p>
         </p:txBody>
@@ -21168,7 +21749,7 @@
           <p:nvPr/>
         </p:nvPicPr>
         <p:blipFill>
-          <a:blip r:embed="rId2">
+          <a:blip r:embed="rId3">
             <a:extLst>
               <a:ext uri="{28A0092B-C50C-407E-A947-70E740481C1C}">
                 <a14:useLocalDpi xmlns:a14="http://schemas.microsoft.com/office/drawing/2010/main" val="0"/>
@@ -21189,6 +21770,57 @@
           </a:prstGeom>
         </p:spPr>
       </p:pic>
+      <mc:AlternateContent xmlns:mc="http://schemas.openxmlformats.org/markup-compatibility/2006">
+        <mc:Choice xmlns:p14="http://schemas.microsoft.com/office/powerpoint/2010/main" Requires="p14">
+          <p:contentPart p14:bwMode="auto" r:id="rId4">
+            <p14:nvContentPartPr>
+              <p14:cNvPr id="2" name="Entrada de lápiz 1">
+                <a:extLst>
+                  <a:ext uri="{FF2B5EF4-FFF2-40B4-BE49-F238E27FC236}">
+                    <a16:creationId xmlns:a16="http://schemas.microsoft.com/office/drawing/2014/main" id="{D115DDE2-AFFB-4577-FBE9-8D10BBDCAE59}"/>
+                  </a:ext>
+                </a:extLst>
+              </p14:cNvPr>
+              <p14:cNvContentPartPr/>
+              <p14:nvPr/>
+            </p14:nvContentPartPr>
+            <p14:xfrm>
+              <a:off x="1533600" y="876240"/>
+              <a:ext cx="8272800" cy="3700800"/>
+            </p14:xfrm>
+          </p:contentPart>
+        </mc:Choice>
+        <mc:Fallback>
+          <p:pic>
+            <p:nvPicPr>
+              <p:cNvPr id="2" name="Entrada de lápiz 1">
+                <a:extLst>
+                  <a:ext uri="{FF2B5EF4-FFF2-40B4-BE49-F238E27FC236}">
+                    <a16:creationId xmlns:a16="http://schemas.microsoft.com/office/drawing/2014/main" id="{D115DDE2-AFFB-4577-FBE9-8D10BBDCAE59}"/>
+                  </a:ext>
+                </a:extLst>
+              </p:cNvPr>
+              <p:cNvPicPr/>
+              <p:nvPr/>
+            </p:nvPicPr>
+            <p:blipFill>
+              <a:blip r:embed="rId5"/>
+              <a:stretch>
+                <a:fillRect/>
+              </a:stretch>
+            </p:blipFill>
+            <p:spPr>
+              <a:xfrm>
+                <a:off x="1524240" y="866880"/>
+                <a:ext cx="8291520" cy="3719520"/>
+              </a:xfrm>
+              <a:prstGeom prst="rect">
+                <a:avLst/>
+              </a:prstGeom>
+            </p:spPr>
+          </p:pic>
+        </mc:Fallback>
+      </mc:AlternateContent>
     </p:spTree>
     <p:extLst>
       <p:ext uri="{BB962C8B-B14F-4D97-AF65-F5344CB8AC3E}">
@@ -23120,6 +23752,57 @@
           </a:p>
         </p:txBody>
       </p:sp>
+      <mc:AlternateContent xmlns:mc="http://schemas.openxmlformats.org/markup-compatibility/2006">
+        <mc:Choice xmlns:p14="http://schemas.microsoft.com/office/powerpoint/2010/main" Requires="p14">
+          <p:contentPart p14:bwMode="auto" r:id="rId3">
+            <p14:nvContentPartPr>
+              <p14:cNvPr id="2" name="Entrada de lápiz 1">
+                <a:extLst>
+                  <a:ext uri="{FF2B5EF4-FFF2-40B4-BE49-F238E27FC236}">
+                    <a16:creationId xmlns:a16="http://schemas.microsoft.com/office/drawing/2014/main" id="{63BD8F8A-04A4-3293-3605-02C8D033709D}"/>
+                  </a:ext>
+                </a:extLst>
+              </p14:cNvPr>
+              <p14:cNvContentPartPr/>
+              <p14:nvPr/>
+            </p14:nvContentPartPr>
+            <p14:xfrm>
+              <a:off x="6157800" y="523800"/>
+              <a:ext cx="5291640" cy="5924880"/>
+            </p14:xfrm>
+          </p:contentPart>
+        </mc:Choice>
+        <mc:Fallback>
+          <p:pic>
+            <p:nvPicPr>
+              <p:cNvPr id="2" name="Entrada de lápiz 1">
+                <a:extLst>
+                  <a:ext uri="{FF2B5EF4-FFF2-40B4-BE49-F238E27FC236}">
+                    <a16:creationId xmlns:a16="http://schemas.microsoft.com/office/drawing/2014/main" id="{63BD8F8A-04A4-3293-3605-02C8D033709D}"/>
+                  </a:ext>
+                </a:extLst>
+              </p:cNvPr>
+              <p:cNvPicPr/>
+              <p:nvPr/>
+            </p:nvPicPr>
+            <p:blipFill>
+              <a:blip r:embed="rId4"/>
+              <a:stretch>
+                <a:fillRect/>
+              </a:stretch>
+            </p:blipFill>
+            <p:spPr>
+              <a:xfrm>
+                <a:off x="6148440" y="514440"/>
+                <a:ext cx="5310360" cy="5943600"/>
+              </a:xfrm>
+              <a:prstGeom prst="rect">
+                <a:avLst/>
+              </a:prstGeom>
+            </p:spPr>
+          </p:pic>
+        </mc:Fallback>
+      </mc:AlternateContent>
     </p:spTree>
     <p:extLst>
       <p:ext uri="{BB962C8B-B14F-4D97-AF65-F5344CB8AC3E}">
@@ -24394,6 +25077,57 @@
           </a:custGeom>
         </p:spPr>
       </p:pic>
+      <mc:AlternateContent xmlns:mc="http://schemas.openxmlformats.org/markup-compatibility/2006">
+        <mc:Choice xmlns:p14="http://schemas.microsoft.com/office/powerpoint/2010/main" Requires="p14">
+          <p:contentPart p14:bwMode="auto" r:id="rId3">
+            <p14:nvContentPartPr>
+              <p14:cNvPr id="4" name="Entrada de lápiz 3">
+                <a:extLst>
+                  <a:ext uri="{FF2B5EF4-FFF2-40B4-BE49-F238E27FC236}">
+                    <a16:creationId xmlns:a16="http://schemas.microsoft.com/office/drawing/2014/main" id="{32BAC70E-56C8-6806-2A05-D6F2663F91DB}"/>
+                  </a:ext>
+                </a:extLst>
+              </p14:cNvPr>
+              <p14:cNvContentPartPr/>
+              <p14:nvPr/>
+            </p14:nvContentPartPr>
+            <p14:xfrm>
+              <a:off x="1114560" y="2995560"/>
+              <a:ext cx="5639040" cy="1014840"/>
+            </p14:xfrm>
+          </p:contentPart>
+        </mc:Choice>
+        <mc:Fallback>
+          <p:pic>
+            <p:nvPicPr>
+              <p:cNvPr id="4" name="Entrada de lápiz 3">
+                <a:extLst>
+                  <a:ext uri="{FF2B5EF4-FFF2-40B4-BE49-F238E27FC236}">
+                    <a16:creationId xmlns:a16="http://schemas.microsoft.com/office/drawing/2014/main" id="{32BAC70E-56C8-6806-2A05-D6F2663F91DB}"/>
+                  </a:ext>
+                </a:extLst>
+              </p:cNvPr>
+              <p:cNvPicPr/>
+              <p:nvPr/>
+            </p:nvPicPr>
+            <p:blipFill>
+              <a:blip r:embed="rId4"/>
+              <a:stretch>
+                <a:fillRect/>
+              </a:stretch>
+            </p:blipFill>
+            <p:spPr>
+              <a:xfrm>
+                <a:off x="1105200" y="2986200"/>
+                <a:ext cx="5657760" cy="1033560"/>
+              </a:xfrm>
+              <a:prstGeom prst="rect">
+                <a:avLst/>
+              </a:prstGeom>
+            </p:spPr>
+          </p:pic>
+        </mc:Fallback>
+      </mc:AlternateContent>
     </p:spTree>
     <p:extLst>
       <p:ext uri="{BB962C8B-B14F-4D97-AF65-F5344CB8AC3E}">
@@ -26612,13 +27346,322 @@
 </a:theme>
 </file>
 
-<file path=customXml/item1.xml><?xml version="1.0" encoding="utf-8"?>
-<p:properties xmlns:p="http://schemas.microsoft.com/office/2006/metadata/properties" xmlns:xsi="http://www.w3.org/2001/XMLSchema-instance" xmlns:pc="http://schemas.microsoft.com/office/infopath/2007/PartnerControls">
-  <documentManagement/>
-</p:properties>
+<file path=ppt/theme/theme2.xml><?xml version="1.0" encoding="utf-8"?>
+<a:theme xmlns:a="http://schemas.openxmlformats.org/drawingml/2006/main" name="Tema de Office">
+  <a:themeElements>
+    <a:clrScheme name="Office">
+      <a:dk1>
+        <a:sysClr val="windowText" lastClr="000000"/>
+      </a:dk1>
+      <a:lt1>
+        <a:sysClr val="window" lastClr="FFFFFF"/>
+      </a:lt1>
+      <a:dk2>
+        <a:srgbClr val="0E2841"/>
+      </a:dk2>
+      <a:lt2>
+        <a:srgbClr val="E8E8E8"/>
+      </a:lt2>
+      <a:accent1>
+        <a:srgbClr val="156082"/>
+      </a:accent1>
+      <a:accent2>
+        <a:srgbClr val="E97132"/>
+      </a:accent2>
+      <a:accent3>
+        <a:srgbClr val="196B24"/>
+      </a:accent3>
+      <a:accent4>
+        <a:srgbClr val="0F9ED5"/>
+      </a:accent4>
+      <a:accent5>
+        <a:srgbClr val="A02B93"/>
+      </a:accent5>
+      <a:accent6>
+        <a:srgbClr val="4EA72E"/>
+      </a:accent6>
+      <a:hlink>
+        <a:srgbClr val="467886"/>
+      </a:hlink>
+      <a:folHlink>
+        <a:srgbClr val="96607D"/>
+      </a:folHlink>
+    </a:clrScheme>
+    <a:fontScheme name="Office">
+      <a:majorFont>
+        <a:latin typeface="Aptos Display" panose="02110004020202020204"/>
+        <a:ea typeface=""/>
+        <a:cs typeface=""/>
+        <a:font script="Jpan" typeface="游ゴシック Light"/>
+        <a:font script="Hang" typeface="맑은 고딕"/>
+        <a:font script="Hans" typeface="等线 Light"/>
+        <a:font script="Hant" typeface="新細明體"/>
+        <a:font script="Arab" typeface="Times New Roman"/>
+        <a:font script="Hebr" typeface="Times New Roman"/>
+        <a:font script="Thai" typeface="Angsana New"/>
+        <a:font script="Ethi" typeface="Nyala"/>
+        <a:font script="Beng" typeface="Vrinda"/>
+        <a:font script="Gujr" typeface="Shruti"/>
+        <a:font script="Khmr" typeface="MoolBoran"/>
+        <a:font script="Knda" typeface="Tunga"/>
+        <a:font script="Guru" typeface="Raavi"/>
+        <a:font script="Cans" typeface="Euphemia"/>
+        <a:font script="Cher" typeface="Plantagenet Cherokee"/>
+        <a:font script="Yiii" typeface="Microsoft Yi Baiti"/>
+        <a:font script="Tibt" typeface="Microsoft Himalaya"/>
+        <a:font script="Thaa" typeface="MV Boli"/>
+        <a:font script="Deva" typeface="Mangal"/>
+        <a:font script="Telu" typeface="Gautami"/>
+        <a:font script="Taml" typeface="Latha"/>
+        <a:font script="Syrc" typeface="Estrangelo Edessa"/>
+        <a:font script="Orya" typeface="Kalinga"/>
+        <a:font script="Mlym" typeface="Kartika"/>
+        <a:font script="Laoo" typeface="DokChampa"/>
+        <a:font script="Sinh" typeface="Iskoola Pota"/>
+        <a:font script="Mong" typeface="Mongolian Baiti"/>
+        <a:font script="Viet" typeface="Times New Roman"/>
+        <a:font script="Uigh" typeface="Microsoft Uighur"/>
+        <a:font script="Geor" typeface="Sylfaen"/>
+        <a:font script="Armn" typeface="Arial"/>
+        <a:font script="Bugi" typeface="Leelawadee UI"/>
+        <a:font script="Bopo" typeface="Microsoft JhengHei"/>
+        <a:font script="Java" typeface="Javanese Text"/>
+        <a:font script="Lisu" typeface="Segoe UI"/>
+        <a:font script="Mymr" typeface="Myanmar Text"/>
+        <a:font script="Nkoo" typeface="Ebrima"/>
+        <a:font script="Olck" typeface="Nirmala UI"/>
+        <a:font script="Osma" typeface="Ebrima"/>
+        <a:font script="Phag" typeface="Phagspa"/>
+        <a:font script="Syrn" typeface="Estrangelo Edessa"/>
+        <a:font script="Syrj" typeface="Estrangelo Edessa"/>
+        <a:font script="Syre" typeface="Estrangelo Edessa"/>
+        <a:font script="Sora" typeface="Nirmala UI"/>
+        <a:font script="Tale" typeface="Microsoft Tai Le"/>
+        <a:font script="Talu" typeface="Microsoft New Tai Lue"/>
+        <a:font script="Tfng" typeface="Ebrima"/>
+      </a:majorFont>
+      <a:minorFont>
+        <a:latin typeface="Aptos" panose="02110004020202020204"/>
+        <a:ea typeface=""/>
+        <a:cs typeface=""/>
+        <a:font script="Jpan" typeface="游ゴシック"/>
+        <a:font script="Hang" typeface="맑은 고딕"/>
+        <a:font script="Hans" typeface="等线"/>
+        <a:font script="Hant" typeface="新細明體"/>
+        <a:font script="Arab" typeface="Arial"/>
+        <a:font script="Hebr" typeface="Arial"/>
+        <a:font script="Thai" typeface="Cordia New"/>
+        <a:font script="Ethi" typeface="Nyala"/>
+        <a:font script="Beng" typeface="Vrinda"/>
+        <a:font script="Gujr" typeface="Shruti"/>
+        <a:font script="Khmr" typeface="DaunPenh"/>
+        <a:font script="Knda" typeface="Tunga"/>
+        <a:font script="Guru" typeface="Raavi"/>
+        <a:font script="Cans" typeface="Euphemia"/>
+        <a:font script="Cher" typeface="Plantagenet Cherokee"/>
+        <a:font script="Yiii" typeface="Microsoft Yi Baiti"/>
+        <a:font script="Tibt" typeface="Microsoft Himalaya"/>
+        <a:font script="Thaa" typeface="MV Boli"/>
+        <a:font script="Deva" typeface="Mangal"/>
+        <a:font script="Telu" typeface="Gautami"/>
+        <a:font script="Taml" typeface="Latha"/>
+        <a:font script="Syrc" typeface="Estrangelo Edessa"/>
+        <a:font script="Orya" typeface="Kalinga"/>
+        <a:font script="Mlym" typeface="Kartika"/>
+        <a:font script="Laoo" typeface="DokChampa"/>
+        <a:font script="Sinh" typeface="Iskoola Pota"/>
+        <a:font script="Mong" typeface="Mongolian Baiti"/>
+        <a:font script="Viet" typeface="Arial"/>
+        <a:font script="Uigh" typeface="Microsoft Uighur"/>
+        <a:font script="Geor" typeface="Sylfaen"/>
+        <a:font script="Armn" typeface="Arial"/>
+        <a:font script="Bugi" typeface="Leelawadee UI"/>
+        <a:font script="Bopo" typeface="Microsoft JhengHei"/>
+        <a:font script="Java" typeface="Javanese Text"/>
+        <a:font script="Lisu" typeface="Segoe UI"/>
+        <a:font script="Mymr" typeface="Myanmar Text"/>
+        <a:font script="Nkoo" typeface="Ebrima"/>
+        <a:font script="Olck" typeface="Nirmala UI"/>
+        <a:font script="Osma" typeface="Ebrima"/>
+        <a:font script="Phag" typeface="Phagspa"/>
+        <a:font script="Syrn" typeface="Estrangelo Edessa"/>
+        <a:font script="Syrj" typeface="Estrangelo Edessa"/>
+        <a:font script="Syre" typeface="Estrangelo Edessa"/>
+        <a:font script="Sora" typeface="Nirmala UI"/>
+        <a:font script="Tale" typeface="Microsoft Tai Le"/>
+        <a:font script="Talu" typeface="Microsoft New Tai Lue"/>
+        <a:font script="Tfng" typeface="Ebrima"/>
+      </a:minorFont>
+    </a:fontScheme>
+    <a:fmtScheme name="Office">
+      <a:fillStyleLst>
+        <a:solidFill>
+          <a:schemeClr val="phClr"/>
+        </a:solidFill>
+        <a:gradFill rotWithShape="1">
+          <a:gsLst>
+            <a:gs pos="0">
+              <a:schemeClr val="phClr">
+                <a:lumMod val="110000"/>
+                <a:satMod val="105000"/>
+                <a:tint val="67000"/>
+              </a:schemeClr>
+            </a:gs>
+            <a:gs pos="50000">
+              <a:schemeClr val="phClr">
+                <a:lumMod val="105000"/>
+                <a:satMod val="103000"/>
+                <a:tint val="73000"/>
+              </a:schemeClr>
+            </a:gs>
+            <a:gs pos="100000">
+              <a:schemeClr val="phClr">
+                <a:lumMod val="105000"/>
+                <a:satMod val="109000"/>
+                <a:tint val="81000"/>
+              </a:schemeClr>
+            </a:gs>
+          </a:gsLst>
+          <a:lin ang="5400000" scaled="0"/>
+        </a:gradFill>
+        <a:gradFill rotWithShape="1">
+          <a:gsLst>
+            <a:gs pos="0">
+              <a:schemeClr val="phClr">
+                <a:satMod val="103000"/>
+                <a:lumMod val="102000"/>
+                <a:tint val="94000"/>
+              </a:schemeClr>
+            </a:gs>
+            <a:gs pos="50000">
+              <a:schemeClr val="phClr">
+                <a:satMod val="110000"/>
+                <a:lumMod val="100000"/>
+                <a:shade val="100000"/>
+              </a:schemeClr>
+            </a:gs>
+            <a:gs pos="100000">
+              <a:schemeClr val="phClr">
+                <a:lumMod val="99000"/>
+                <a:satMod val="120000"/>
+                <a:shade val="78000"/>
+              </a:schemeClr>
+            </a:gs>
+          </a:gsLst>
+          <a:lin ang="5400000" scaled="0"/>
+        </a:gradFill>
+      </a:fillStyleLst>
+      <a:lnStyleLst>
+        <a:ln w="12700" cap="flat" cmpd="sng" algn="ctr">
+          <a:solidFill>
+            <a:schemeClr val="phClr"/>
+          </a:solidFill>
+          <a:prstDash val="solid"/>
+          <a:miter lim="800000"/>
+        </a:ln>
+        <a:ln w="19050" cap="flat" cmpd="sng" algn="ctr">
+          <a:solidFill>
+            <a:schemeClr val="phClr"/>
+          </a:solidFill>
+          <a:prstDash val="solid"/>
+          <a:miter lim="800000"/>
+        </a:ln>
+        <a:ln w="25400" cap="flat" cmpd="sng" algn="ctr">
+          <a:solidFill>
+            <a:schemeClr val="phClr"/>
+          </a:solidFill>
+          <a:prstDash val="solid"/>
+          <a:miter lim="800000"/>
+        </a:ln>
+      </a:lnStyleLst>
+      <a:effectStyleLst>
+        <a:effectStyle>
+          <a:effectLst/>
+        </a:effectStyle>
+        <a:effectStyle>
+          <a:effectLst/>
+        </a:effectStyle>
+        <a:effectStyle>
+          <a:effectLst>
+            <a:outerShdw blurRad="57150" dist="19050" dir="5400000" algn="ctr" rotWithShape="0">
+              <a:srgbClr val="000000">
+                <a:alpha val="63000"/>
+              </a:srgbClr>
+            </a:outerShdw>
+          </a:effectLst>
+        </a:effectStyle>
+      </a:effectStyleLst>
+      <a:bgFillStyleLst>
+        <a:solidFill>
+          <a:schemeClr val="phClr"/>
+        </a:solidFill>
+        <a:solidFill>
+          <a:schemeClr val="phClr">
+            <a:tint val="95000"/>
+            <a:satMod val="170000"/>
+          </a:schemeClr>
+        </a:solidFill>
+        <a:gradFill rotWithShape="1">
+          <a:gsLst>
+            <a:gs pos="0">
+              <a:schemeClr val="phClr">
+                <a:tint val="93000"/>
+                <a:satMod val="150000"/>
+                <a:shade val="98000"/>
+                <a:lumMod val="102000"/>
+              </a:schemeClr>
+            </a:gs>
+            <a:gs pos="50000">
+              <a:schemeClr val="phClr">
+                <a:tint val="98000"/>
+                <a:satMod val="130000"/>
+                <a:shade val="90000"/>
+                <a:lumMod val="103000"/>
+              </a:schemeClr>
+            </a:gs>
+            <a:gs pos="100000">
+              <a:schemeClr val="phClr">
+                <a:shade val="63000"/>
+                <a:satMod val="120000"/>
+              </a:schemeClr>
+            </a:gs>
+          </a:gsLst>
+          <a:lin ang="5400000" scaled="0"/>
+        </a:gradFill>
+      </a:bgFillStyleLst>
+    </a:fmtScheme>
+  </a:themeElements>
+  <a:objectDefaults>
+    <a:lnDef>
+      <a:spPr/>
+      <a:bodyPr/>
+      <a:lstStyle/>
+      <a:style>
+        <a:lnRef idx="2">
+          <a:schemeClr val="accent1"/>
+        </a:lnRef>
+        <a:fillRef idx="0">
+          <a:schemeClr val="accent1"/>
+        </a:fillRef>
+        <a:effectRef idx="1">
+          <a:schemeClr val="accent1"/>
+        </a:effectRef>
+        <a:fontRef idx="minor">
+          <a:schemeClr val="tx1"/>
+        </a:fontRef>
+      </a:style>
+    </a:lnDef>
+  </a:objectDefaults>
+  <a:extraClrSchemeLst/>
+  <a:extLst>
+    <a:ext uri="{05A4C25C-085E-4340-85A3-A5531E510DB2}">
+      <thm15:themeFamily xmlns:thm15="http://schemas.microsoft.com/office/thememl/2012/main" name="Office Theme" id="{2E142A2C-CD16-42D6-873A-C26D2A0506FA}" vid="{1BDDFF52-6CD6-40A5-AB3C-68EB2F1E4D0A}"/>
+    </a:ext>
+  </a:extLst>
+</a:theme>
 </file>
 
-<file path=customXml/item2.xml><?xml version="1.0" encoding="utf-8"?>
+<file path=customXml/item1.xml><?xml version="1.0" encoding="utf-8"?>
 <ct:contentTypeSchema xmlns:ct="http://schemas.microsoft.com/office/2006/metadata/contentType" xmlns:ma="http://schemas.microsoft.com/office/2006/metadata/properties/metaAttributes" ct:_="" ma:_="" ma:contentTypeName="Documento" ma:contentTypeID="0x01010034CE88BD2436BC49A0F93D188AEE6334" ma:contentTypeVersion="7" ma:contentTypeDescription="Crear nuevo documento." ma:contentTypeScope="" ma:versionID="25d2df692f06815155970f868a250c0a">
   <xsd:schema xmlns:xsd="http://www.w3.org/2001/XMLSchema" xmlns:xs="http://www.w3.org/2001/XMLSchema" xmlns:p="http://schemas.microsoft.com/office/2006/metadata/properties" xmlns:ns3="4db008ad-2a2e-450c-baea-0f3a1d680a89" xmlns:ns4="b0366ee5-2ad0-4679-962d-c204781c6d4d" targetNamespace="http://schemas.microsoft.com/office/2006/metadata/properties" ma:root="true" ma:fieldsID="992ab15ae7657ca73c8441a994b7bba9" ns3:_="" ns4:_="">
     <xsd:import namespace="4db008ad-2a2e-450c-baea-0f3a1d680a89"/>
@@ -26803,6 +27846,12 @@
 </ct:contentTypeSchema>
 </file>
 
+<file path=customXml/item2.xml><?xml version="1.0" encoding="utf-8"?>
+<p:properties xmlns:p="http://schemas.microsoft.com/office/2006/metadata/properties" xmlns:xsi="http://www.w3.org/2001/XMLSchema-instance" xmlns:pc="http://schemas.microsoft.com/office/infopath/2007/PartnerControls">
+  <documentManagement/>
+</p:properties>
+</file>
+
 <file path=customXml/item3.xml><?xml version="1.0" encoding="utf-8"?>
 <?mso-contentType ?>
 <FormTemplates xmlns="http://schemas.microsoft.com/sharepoint/v3/contenttype/forms">
@@ -26813,23 +27862,6 @@
 </file>
 
 <file path=customXml/itemProps1.xml><?xml version="1.0" encoding="utf-8"?>
-<ds:datastoreItem xmlns:ds="http://schemas.openxmlformats.org/officeDocument/2006/customXml" ds:itemID="{58BF7373-3215-4A52-90EC-71291F0505C1}">
-  <ds:schemaRefs>
-    <ds:schemaRef ds:uri="http://purl.org/dc/dcmitype/"/>
-    <ds:schemaRef ds:uri="http://schemas.microsoft.com/office/2006/documentManagement/types"/>
-    <ds:schemaRef ds:uri="http://www.w3.org/XML/1998/namespace"/>
-    <ds:schemaRef ds:uri="http://schemas.microsoft.com/office/infopath/2007/PartnerControls"/>
-    <ds:schemaRef ds:uri="http://purl.org/dc/elements/1.1/"/>
-    <ds:schemaRef ds:uri="http://schemas.openxmlformats.org/package/2006/metadata/core-properties"/>
-    <ds:schemaRef ds:uri="4db008ad-2a2e-450c-baea-0f3a1d680a89"/>
-    <ds:schemaRef ds:uri="b0366ee5-2ad0-4679-962d-c204781c6d4d"/>
-    <ds:schemaRef ds:uri="http://schemas.microsoft.com/office/2006/metadata/properties"/>
-    <ds:schemaRef ds:uri="http://purl.org/dc/terms/"/>
-  </ds:schemaRefs>
-</ds:datastoreItem>
-</file>
-
-<file path=customXml/itemProps2.xml><?xml version="1.0" encoding="utf-8"?>
 <ds:datastoreItem xmlns:ds="http://schemas.openxmlformats.org/officeDocument/2006/customXml" ds:itemID="{CBED6338-C4EA-4B2E-A8D0-F9F3E23DC1B1}">
   <ds:schemaRefs>
     <ds:schemaRef ds:uri="http://schemas.microsoft.com/office/2006/metadata/contentType"/>
@@ -26848,6 +27880,23 @@
 </ds:datastoreItem>
 </file>
 
+<file path=customXml/itemProps2.xml><?xml version="1.0" encoding="utf-8"?>
+<ds:datastoreItem xmlns:ds="http://schemas.openxmlformats.org/officeDocument/2006/customXml" ds:itemID="{58BF7373-3215-4A52-90EC-71291F0505C1}">
+  <ds:schemaRefs>
+    <ds:schemaRef ds:uri="http://purl.org/dc/dcmitype/"/>
+    <ds:schemaRef ds:uri="http://schemas.microsoft.com/office/2006/documentManagement/types"/>
+    <ds:schemaRef ds:uri="http://www.w3.org/XML/1998/namespace"/>
+    <ds:schemaRef ds:uri="http://schemas.microsoft.com/office/infopath/2007/PartnerControls"/>
+    <ds:schemaRef ds:uri="http://purl.org/dc/elements/1.1/"/>
+    <ds:schemaRef ds:uri="http://schemas.openxmlformats.org/package/2006/metadata/core-properties"/>
+    <ds:schemaRef ds:uri="4db008ad-2a2e-450c-baea-0f3a1d680a89"/>
+    <ds:schemaRef ds:uri="b0366ee5-2ad0-4679-962d-c204781c6d4d"/>
+    <ds:schemaRef ds:uri="http://schemas.microsoft.com/office/2006/metadata/properties"/>
+    <ds:schemaRef ds:uri="http://purl.org/dc/terms/"/>
+  </ds:schemaRefs>
+</ds:datastoreItem>
+</file>
+
 <file path=customXml/itemProps3.xml><?xml version="1.0" encoding="utf-8"?>
 <ds:datastoreItem xmlns:ds="http://schemas.openxmlformats.org/officeDocument/2006/customXml" ds:itemID="{8CF1134A-935A-4915-86F0-951274615DA4}">
   <ds:schemaRefs>
